--- a/hkAiRpaProject/스프링부트 멤버CRUD.pptx
+++ b/hkAiRpaProject/스프링부트 멤버CRUD.pptx
@@ -8,26 +8,28 @@
     <p:sldId id="263" r:id="rId2"/>
     <p:sldId id="260" r:id="rId3"/>
     <p:sldId id="261" r:id="rId4"/>
-    <p:sldId id="256" r:id="rId5"/>
-    <p:sldId id="257" r:id="rId6"/>
-    <p:sldId id="258" r:id="rId7"/>
-    <p:sldId id="262" r:id="rId8"/>
-    <p:sldId id="271" r:id="rId9"/>
-    <p:sldId id="264" r:id="rId10"/>
-    <p:sldId id="265" r:id="rId11"/>
-    <p:sldId id="266" r:id="rId12"/>
-    <p:sldId id="267" r:id="rId13"/>
-    <p:sldId id="268" r:id="rId14"/>
-    <p:sldId id="269" r:id="rId15"/>
-    <p:sldId id="270" r:id="rId16"/>
-    <p:sldId id="272" r:id="rId17"/>
-    <p:sldId id="273" r:id="rId18"/>
-    <p:sldId id="274" r:id="rId19"/>
-    <p:sldId id="275" r:id="rId20"/>
-    <p:sldId id="276" r:id="rId21"/>
-    <p:sldId id="277" r:id="rId22"/>
-    <p:sldId id="278" r:id="rId23"/>
-    <p:sldId id="279" r:id="rId24"/>
+    <p:sldId id="280" r:id="rId5"/>
+    <p:sldId id="256" r:id="rId6"/>
+    <p:sldId id="281" r:id="rId7"/>
+    <p:sldId id="257" r:id="rId8"/>
+    <p:sldId id="258" r:id="rId9"/>
+    <p:sldId id="262" r:id="rId10"/>
+    <p:sldId id="271" r:id="rId11"/>
+    <p:sldId id="264" r:id="rId12"/>
+    <p:sldId id="265" r:id="rId13"/>
+    <p:sldId id="266" r:id="rId14"/>
+    <p:sldId id="267" r:id="rId15"/>
+    <p:sldId id="268" r:id="rId16"/>
+    <p:sldId id="269" r:id="rId17"/>
+    <p:sldId id="270" r:id="rId18"/>
+    <p:sldId id="272" r:id="rId19"/>
+    <p:sldId id="273" r:id="rId20"/>
+    <p:sldId id="274" r:id="rId21"/>
+    <p:sldId id="275" r:id="rId22"/>
+    <p:sldId id="276" r:id="rId23"/>
+    <p:sldId id="277" r:id="rId24"/>
+    <p:sldId id="278" r:id="rId25"/>
+    <p:sldId id="279" r:id="rId26"/>
   </p:sldIdLst>
   <p:sldSz cx="12192000" cy="6858000"/>
   <p:notesSz cx="6858000" cy="9144000"/>
@@ -134,7 +136,9 @@
             <p14:sldId id="263"/>
             <p14:sldId id="260"/>
             <p14:sldId id="261"/>
+            <p14:sldId id="280"/>
             <p14:sldId id="256"/>
+            <p14:sldId id="281"/>
             <p14:sldId id="257"/>
             <p14:sldId id="258"/>
             <p14:sldId id="262"/>
@@ -161,6 +165,9 @@
         </p14:section>
       </p14:sectionLst>
     </p:ext>
+    <p:ext uri="{EFAFB233-063F-42B5-8137-9DF3F51BA10A}">
+      <p15:sldGuideLst xmlns:p15="http://schemas.microsoft.com/office/powerpoint/2012/main"/>
+    </p:ext>
   </p:extLst>
 </p:presentation>
 </file>
@@ -312,7 +319,7 @@
           <a:p>
             <a:fld id="{D019170F-C7B6-4288-B818-BC374900726F}" type="datetimeFigureOut">
               <a:rPr lang="ko-KR" altLang="en-US" smtClean="0"/>
-              <a:t>2023-04-04</a:t>
+              <a:t>2023-04-05</a:t>
             </a:fld>
             <a:endParaRPr lang="ko-KR" altLang="en-US"/>
           </a:p>
@@ -510,7 +517,7 @@
           <a:p>
             <a:fld id="{D019170F-C7B6-4288-B818-BC374900726F}" type="datetimeFigureOut">
               <a:rPr lang="ko-KR" altLang="en-US" smtClean="0"/>
-              <a:t>2023-04-04</a:t>
+              <a:t>2023-04-05</a:t>
             </a:fld>
             <a:endParaRPr lang="ko-KR" altLang="en-US"/>
           </a:p>
@@ -718,7 +725,7 @@
           <a:p>
             <a:fld id="{D019170F-C7B6-4288-B818-BC374900726F}" type="datetimeFigureOut">
               <a:rPr lang="ko-KR" altLang="en-US" smtClean="0"/>
-              <a:t>2023-04-04</a:t>
+              <a:t>2023-04-05</a:t>
             </a:fld>
             <a:endParaRPr lang="ko-KR" altLang="en-US"/>
           </a:p>
@@ -916,7 +923,7 @@
           <a:p>
             <a:fld id="{D019170F-C7B6-4288-B818-BC374900726F}" type="datetimeFigureOut">
               <a:rPr lang="ko-KR" altLang="en-US" smtClean="0"/>
-              <a:t>2023-04-04</a:t>
+              <a:t>2023-04-05</a:t>
             </a:fld>
             <a:endParaRPr lang="ko-KR" altLang="en-US"/>
           </a:p>
@@ -1191,7 +1198,7 @@
           <a:p>
             <a:fld id="{D019170F-C7B6-4288-B818-BC374900726F}" type="datetimeFigureOut">
               <a:rPr lang="ko-KR" altLang="en-US" smtClean="0"/>
-              <a:t>2023-04-04</a:t>
+              <a:t>2023-04-05</a:t>
             </a:fld>
             <a:endParaRPr lang="ko-KR" altLang="en-US"/>
           </a:p>
@@ -1456,7 +1463,7 @@
           <a:p>
             <a:fld id="{D019170F-C7B6-4288-B818-BC374900726F}" type="datetimeFigureOut">
               <a:rPr lang="ko-KR" altLang="en-US" smtClean="0"/>
-              <a:t>2023-04-04</a:t>
+              <a:t>2023-04-05</a:t>
             </a:fld>
             <a:endParaRPr lang="ko-KR" altLang="en-US"/>
           </a:p>
@@ -1868,7 +1875,7 @@
           <a:p>
             <a:fld id="{D019170F-C7B6-4288-B818-BC374900726F}" type="datetimeFigureOut">
               <a:rPr lang="ko-KR" altLang="en-US" smtClean="0"/>
-              <a:t>2023-04-04</a:t>
+              <a:t>2023-04-05</a:t>
             </a:fld>
             <a:endParaRPr lang="ko-KR" altLang="en-US"/>
           </a:p>
@@ -2009,7 +2016,7 @@
           <a:p>
             <a:fld id="{D019170F-C7B6-4288-B818-BC374900726F}" type="datetimeFigureOut">
               <a:rPr lang="ko-KR" altLang="en-US" smtClean="0"/>
-              <a:t>2023-04-04</a:t>
+              <a:t>2023-04-05</a:t>
             </a:fld>
             <a:endParaRPr lang="ko-KR" altLang="en-US"/>
           </a:p>
@@ -2122,7 +2129,7 @@
           <a:p>
             <a:fld id="{D019170F-C7B6-4288-B818-BC374900726F}" type="datetimeFigureOut">
               <a:rPr lang="ko-KR" altLang="en-US" smtClean="0"/>
-              <a:t>2023-04-04</a:t>
+              <a:t>2023-04-05</a:t>
             </a:fld>
             <a:endParaRPr lang="ko-KR" altLang="en-US"/>
           </a:p>
@@ -2433,7 +2440,7 @@
           <a:p>
             <a:fld id="{D019170F-C7B6-4288-B818-BC374900726F}" type="datetimeFigureOut">
               <a:rPr lang="ko-KR" altLang="en-US" smtClean="0"/>
-              <a:t>2023-04-04</a:t>
+              <a:t>2023-04-05</a:t>
             </a:fld>
             <a:endParaRPr lang="ko-KR" altLang="en-US"/>
           </a:p>
@@ -2721,7 +2728,7 @@
           <a:p>
             <a:fld id="{D019170F-C7B6-4288-B818-BC374900726F}" type="datetimeFigureOut">
               <a:rPr lang="ko-KR" altLang="en-US" smtClean="0"/>
-              <a:t>2023-04-04</a:t>
+              <a:t>2023-04-05</a:t>
             </a:fld>
             <a:endParaRPr lang="ko-KR" altLang="en-US"/>
           </a:p>
@@ -2962,7 +2969,7 @@
           <a:p>
             <a:fld id="{D019170F-C7B6-4288-B818-BC374900726F}" type="datetimeFigureOut">
               <a:rPr lang="ko-KR" altLang="en-US" smtClean="0"/>
-              <a:t>2023-04-04</a:t>
+              <a:t>2023-04-05</a:t>
             </a:fld>
             <a:endParaRPr lang="ko-KR" altLang="en-US"/>
           </a:p>
@@ -3451,100 +3458,60 @@
           <a:chExt cx="0" cy="0"/>
         </a:xfrm>
       </p:grpSpPr>
-      <p:pic>
-        <p:nvPicPr>
-          <p:cNvPr id="5" name="그림 4">
-            <a:extLst>
-              <a:ext uri="{FF2B5EF4-FFF2-40B4-BE49-F238E27FC236}">
-                <a16:creationId xmlns:a16="http://schemas.microsoft.com/office/drawing/2014/main" id="{697E504B-7AE2-CF46-3830-D7F8A26F3DC6}"/>
-              </a:ext>
-            </a:extLst>
-          </p:cNvPr>
-          <p:cNvPicPr>
-            <a:picLocks noChangeAspect="1"/>
-          </p:cNvPicPr>
-          <p:nvPr/>
-        </p:nvPicPr>
-        <p:blipFill>
-          <a:blip r:embed="rId2"/>
-          <a:stretch>
-            <a:fillRect/>
-          </a:stretch>
-        </p:blipFill>
-        <p:spPr>
-          <a:xfrm>
-            <a:off x="1114425" y="236901"/>
-            <a:ext cx="4981575" cy="2066925"/>
-          </a:xfrm>
-          <a:prstGeom prst="rect">
-            <a:avLst/>
-          </a:prstGeom>
-        </p:spPr>
-      </p:pic>
-      <p:pic>
-        <p:nvPicPr>
-          <p:cNvPr id="11" name="그림 10">
-            <a:extLst>
-              <a:ext uri="{FF2B5EF4-FFF2-40B4-BE49-F238E27FC236}">
-                <a16:creationId xmlns:a16="http://schemas.microsoft.com/office/drawing/2014/main" id="{A62DA56A-E9F7-E47E-A440-E6CD50798083}"/>
-              </a:ext>
-            </a:extLst>
-          </p:cNvPr>
-          <p:cNvPicPr>
-            <a:picLocks noChangeAspect="1"/>
-          </p:cNvPicPr>
-          <p:nvPr/>
-        </p:nvPicPr>
-        <p:blipFill>
-          <a:blip r:embed="rId3"/>
-          <a:stretch>
-            <a:fillRect/>
-          </a:stretch>
-        </p:blipFill>
-        <p:spPr>
-          <a:xfrm>
-            <a:off x="2626428" y="1496815"/>
-            <a:ext cx="9067800" cy="2419350"/>
-          </a:xfrm>
-          <a:prstGeom prst="rect">
-            <a:avLst/>
-          </a:prstGeom>
-        </p:spPr>
-      </p:pic>
-      <p:pic>
-        <p:nvPicPr>
-          <p:cNvPr id="13" name="그림 12">
-            <a:extLst>
-              <a:ext uri="{FF2B5EF4-FFF2-40B4-BE49-F238E27FC236}">
-                <a16:creationId xmlns:a16="http://schemas.microsoft.com/office/drawing/2014/main" id="{7A9F7C49-FE72-0FA1-0B20-EB6416ADDE0F}"/>
-              </a:ext>
-            </a:extLst>
-          </p:cNvPr>
-          <p:cNvPicPr>
-            <a:picLocks noChangeAspect="1"/>
-          </p:cNvPicPr>
-          <p:nvPr/>
-        </p:nvPicPr>
-        <p:blipFill>
-          <a:blip r:embed="rId4"/>
-          <a:stretch>
-            <a:fillRect/>
-          </a:stretch>
-        </p:blipFill>
-        <p:spPr>
-          <a:xfrm>
-            <a:off x="899035" y="3961010"/>
-            <a:ext cx="9058275" cy="2800350"/>
-          </a:xfrm>
-          <a:prstGeom prst="rect">
-            <a:avLst/>
-          </a:prstGeom>
-        </p:spPr>
-      </p:pic>
+      <p:sp>
+        <p:nvSpPr>
+          <p:cNvPr id="2" name="제목 1">
+            <a:extLst>
+              <a:ext uri="{FF2B5EF4-FFF2-40B4-BE49-F238E27FC236}">
+                <a16:creationId xmlns:a16="http://schemas.microsoft.com/office/drawing/2014/main" id="{8A937297-874A-346F-9984-8130EB98CAF9}"/>
+              </a:ext>
+            </a:extLst>
+          </p:cNvPr>
+          <p:cNvSpPr>
+            <a:spLocks noGrp="1"/>
+          </p:cNvSpPr>
+          <p:nvPr>
+            <p:ph type="title"/>
+          </p:nvPr>
+        </p:nvSpPr>
+        <p:spPr/>
+        <p:txBody>
+          <a:bodyPr/>
+          <a:lstStyle/>
+          <a:p>
+            <a:endParaRPr lang="ko-KR" altLang="en-US"/>
+          </a:p>
+        </p:txBody>
+      </p:sp>
+      <p:sp>
+        <p:nvSpPr>
+          <p:cNvPr id="3" name="내용 개체 틀 2">
+            <a:extLst>
+              <a:ext uri="{FF2B5EF4-FFF2-40B4-BE49-F238E27FC236}">
+                <a16:creationId xmlns:a16="http://schemas.microsoft.com/office/drawing/2014/main" id="{49027FE2-EBC6-5B1F-0079-8C4AFA16D099}"/>
+              </a:ext>
+            </a:extLst>
+          </p:cNvPr>
+          <p:cNvSpPr>
+            <a:spLocks noGrp="1"/>
+          </p:cNvSpPr>
+          <p:nvPr>
+            <p:ph idx="1"/>
+          </p:nvPr>
+        </p:nvSpPr>
+        <p:spPr/>
+        <p:txBody>
+          <a:bodyPr/>
+          <a:lstStyle/>
+          <a:p>
+            <a:endParaRPr lang="ko-KR" altLang="en-US"/>
+          </a:p>
+        </p:txBody>
+      </p:sp>
     </p:spTree>
     <p:extLst>
       <p:ext uri="{BB962C8B-B14F-4D97-AF65-F5344CB8AC3E}">
-        <p14:creationId xmlns:p14="http://schemas.microsoft.com/office/powerpoint/2010/main" val="287768661"/>
+        <p14:creationId xmlns:p14="http://schemas.microsoft.com/office/powerpoint/2010/main" val="373670598"/>
       </p:ext>
     </p:extLst>
   </p:cSld>
@@ -3576,7 +3543,7 @@
           <p:cNvPr id="5" name="그림 4">
             <a:extLst>
               <a:ext uri="{FF2B5EF4-FFF2-40B4-BE49-F238E27FC236}">
-                <a16:creationId xmlns:a16="http://schemas.microsoft.com/office/drawing/2014/main" id="{5790BDE8-5BEB-CAD1-9A9D-625928F660CE}"/>
+                <a16:creationId xmlns:a16="http://schemas.microsoft.com/office/drawing/2014/main" id="{3B9C902A-F07D-FA30-FA8F-FBF300CCDA12}"/>
               </a:ext>
             </a:extLst>
           </p:cNvPr>
@@ -3593,8 +3560,8 @@
         </p:blipFill>
         <p:spPr>
           <a:xfrm>
-            <a:off x="931290" y="713968"/>
-            <a:ext cx="8277225" cy="2057400"/>
+            <a:off x="985395" y="313883"/>
+            <a:ext cx="9391650" cy="1743075"/>
           </a:xfrm>
           <a:prstGeom prst="rect">
             <a:avLst/>
@@ -3603,10 +3570,10 @@
       </p:pic>
       <p:pic>
         <p:nvPicPr>
-          <p:cNvPr id="9" name="그림 8">
-            <a:extLst>
-              <a:ext uri="{FF2B5EF4-FFF2-40B4-BE49-F238E27FC236}">
-                <a16:creationId xmlns:a16="http://schemas.microsoft.com/office/drawing/2014/main" id="{0187D22B-98BD-7950-B895-4A7B2F1606E6}"/>
+          <p:cNvPr id="7" name="그림 6">
+            <a:extLst>
+              <a:ext uri="{FF2B5EF4-FFF2-40B4-BE49-F238E27FC236}">
+                <a16:creationId xmlns:a16="http://schemas.microsoft.com/office/drawing/2014/main" id="{6A948020-971E-AD97-F91A-37AFACBCAAFB}"/>
               </a:ext>
             </a:extLst>
           </p:cNvPr>
@@ -3623,8 +3590,8 @@
         </p:blipFill>
         <p:spPr>
           <a:xfrm>
-            <a:off x="931290" y="3029392"/>
-            <a:ext cx="10744200" cy="3457575"/>
+            <a:off x="1280523" y="2325623"/>
+            <a:ext cx="7910611" cy="2827258"/>
           </a:xfrm>
           <a:prstGeom prst="rect">
             <a:avLst/>
@@ -3634,7 +3601,7 @@
     </p:spTree>
     <p:extLst>
       <p:ext uri="{BB962C8B-B14F-4D97-AF65-F5344CB8AC3E}">
-        <p14:creationId xmlns:p14="http://schemas.microsoft.com/office/powerpoint/2010/main" val="3965355295"/>
+        <p14:creationId xmlns:p14="http://schemas.microsoft.com/office/powerpoint/2010/main" val="2796083690"/>
       </p:ext>
     </p:extLst>
   </p:cSld>
@@ -3663,10 +3630,10 @@
       </p:grpSpPr>
       <p:pic>
         <p:nvPicPr>
-          <p:cNvPr id="7" name="그림 6">
-            <a:extLst>
-              <a:ext uri="{FF2B5EF4-FFF2-40B4-BE49-F238E27FC236}">
-                <a16:creationId xmlns:a16="http://schemas.microsoft.com/office/drawing/2014/main" id="{D3E56FF1-15D2-1EFB-AFE8-F6ACCE40D2EB}"/>
+          <p:cNvPr id="5" name="그림 4">
+            <a:extLst>
+              <a:ext uri="{FF2B5EF4-FFF2-40B4-BE49-F238E27FC236}">
+                <a16:creationId xmlns:a16="http://schemas.microsoft.com/office/drawing/2014/main" id="{697E504B-7AE2-CF46-3830-D7F8A26F3DC6}"/>
               </a:ext>
             </a:extLst>
           </p:cNvPr>
@@ -3683,8 +3650,68 @@
         </p:blipFill>
         <p:spPr>
           <a:xfrm>
-            <a:off x="190500" y="517099"/>
-            <a:ext cx="11811000" cy="3467100"/>
+            <a:off x="1114425" y="236901"/>
+            <a:ext cx="4981575" cy="2066925"/>
+          </a:xfrm>
+          <a:prstGeom prst="rect">
+            <a:avLst/>
+          </a:prstGeom>
+        </p:spPr>
+      </p:pic>
+      <p:pic>
+        <p:nvPicPr>
+          <p:cNvPr id="11" name="그림 10">
+            <a:extLst>
+              <a:ext uri="{FF2B5EF4-FFF2-40B4-BE49-F238E27FC236}">
+                <a16:creationId xmlns:a16="http://schemas.microsoft.com/office/drawing/2014/main" id="{A62DA56A-E9F7-E47E-A440-E6CD50798083}"/>
+              </a:ext>
+            </a:extLst>
+          </p:cNvPr>
+          <p:cNvPicPr>
+            <a:picLocks noChangeAspect="1"/>
+          </p:cNvPicPr>
+          <p:nvPr/>
+        </p:nvPicPr>
+        <p:blipFill>
+          <a:blip r:embed="rId3"/>
+          <a:stretch>
+            <a:fillRect/>
+          </a:stretch>
+        </p:blipFill>
+        <p:spPr>
+          <a:xfrm>
+            <a:off x="2626428" y="1496815"/>
+            <a:ext cx="9067800" cy="2419350"/>
+          </a:xfrm>
+          <a:prstGeom prst="rect">
+            <a:avLst/>
+          </a:prstGeom>
+        </p:spPr>
+      </p:pic>
+      <p:pic>
+        <p:nvPicPr>
+          <p:cNvPr id="13" name="그림 12">
+            <a:extLst>
+              <a:ext uri="{FF2B5EF4-FFF2-40B4-BE49-F238E27FC236}">
+                <a16:creationId xmlns:a16="http://schemas.microsoft.com/office/drawing/2014/main" id="{7A9F7C49-FE72-0FA1-0B20-EB6416ADDE0F}"/>
+              </a:ext>
+            </a:extLst>
+          </p:cNvPr>
+          <p:cNvPicPr>
+            <a:picLocks noChangeAspect="1"/>
+          </p:cNvPicPr>
+          <p:nvPr/>
+        </p:nvPicPr>
+        <p:blipFill>
+          <a:blip r:embed="rId4"/>
+          <a:stretch>
+            <a:fillRect/>
+          </a:stretch>
+        </p:blipFill>
+        <p:spPr>
+          <a:xfrm>
+            <a:off x="899035" y="3961010"/>
+            <a:ext cx="9058275" cy="2800350"/>
           </a:xfrm>
           <a:prstGeom prst="rect">
             <a:avLst/>
@@ -3694,7 +3721,7 @@
     </p:spTree>
     <p:extLst>
       <p:ext uri="{BB962C8B-B14F-4D97-AF65-F5344CB8AC3E}">
-        <p14:creationId xmlns:p14="http://schemas.microsoft.com/office/powerpoint/2010/main" val="3099523355"/>
+        <p14:creationId xmlns:p14="http://schemas.microsoft.com/office/powerpoint/2010/main" val="287768661"/>
       </p:ext>
     </p:extLst>
   </p:cSld>
@@ -3726,7 +3753,7 @@
           <p:cNvPr id="5" name="그림 4">
             <a:extLst>
               <a:ext uri="{FF2B5EF4-FFF2-40B4-BE49-F238E27FC236}">
-                <a16:creationId xmlns:a16="http://schemas.microsoft.com/office/drawing/2014/main" id="{35BD4249-2261-D58E-C256-90A70E2D204E}"/>
+                <a16:creationId xmlns:a16="http://schemas.microsoft.com/office/drawing/2014/main" id="{5790BDE8-5BEB-CAD1-9A9D-625928F660CE}"/>
               </a:ext>
             </a:extLst>
           </p:cNvPr>
@@ -3743,8 +3770,38 @@
         </p:blipFill>
         <p:spPr>
           <a:xfrm>
-            <a:off x="333326" y="775028"/>
-            <a:ext cx="11525347" cy="5307943"/>
+            <a:off x="931290" y="713968"/>
+            <a:ext cx="8277225" cy="2057400"/>
+          </a:xfrm>
+          <a:prstGeom prst="rect">
+            <a:avLst/>
+          </a:prstGeom>
+        </p:spPr>
+      </p:pic>
+      <p:pic>
+        <p:nvPicPr>
+          <p:cNvPr id="9" name="그림 8">
+            <a:extLst>
+              <a:ext uri="{FF2B5EF4-FFF2-40B4-BE49-F238E27FC236}">
+                <a16:creationId xmlns:a16="http://schemas.microsoft.com/office/drawing/2014/main" id="{0187D22B-98BD-7950-B895-4A7B2F1606E6}"/>
+              </a:ext>
+            </a:extLst>
+          </p:cNvPr>
+          <p:cNvPicPr>
+            <a:picLocks noChangeAspect="1"/>
+          </p:cNvPicPr>
+          <p:nvPr/>
+        </p:nvPicPr>
+        <p:blipFill>
+          <a:blip r:embed="rId3"/>
+          <a:stretch>
+            <a:fillRect/>
+          </a:stretch>
+        </p:blipFill>
+        <p:spPr>
+          <a:xfrm>
+            <a:off x="931290" y="3029392"/>
+            <a:ext cx="10744200" cy="3457575"/>
           </a:xfrm>
           <a:prstGeom prst="rect">
             <a:avLst/>
@@ -3754,7 +3811,7 @@
     </p:spTree>
     <p:extLst>
       <p:ext uri="{BB962C8B-B14F-4D97-AF65-F5344CB8AC3E}">
-        <p14:creationId xmlns:p14="http://schemas.microsoft.com/office/powerpoint/2010/main" val="442405549"/>
+        <p14:creationId xmlns:p14="http://schemas.microsoft.com/office/powerpoint/2010/main" val="3965355295"/>
       </p:ext>
     </p:extLst>
   </p:cSld>
@@ -3781,60 +3838,40 @@
           <a:chExt cx="0" cy="0"/>
         </a:xfrm>
       </p:grpSpPr>
-      <p:sp>
-        <p:nvSpPr>
-          <p:cNvPr id="2" name="제목 1">
-            <a:extLst>
-              <a:ext uri="{FF2B5EF4-FFF2-40B4-BE49-F238E27FC236}">
-                <a16:creationId xmlns:a16="http://schemas.microsoft.com/office/drawing/2014/main" id="{CAA084A5-82BE-953B-9830-C53A47D9B547}"/>
-              </a:ext>
-            </a:extLst>
-          </p:cNvPr>
-          <p:cNvSpPr>
-            <a:spLocks noGrp="1"/>
-          </p:cNvSpPr>
-          <p:nvPr>
-            <p:ph type="title"/>
-          </p:nvPr>
-        </p:nvSpPr>
-        <p:spPr/>
-        <p:txBody>
-          <a:bodyPr/>
-          <a:lstStyle/>
-          <a:p>
-            <a:endParaRPr lang="ko-KR" altLang="en-US"/>
-          </a:p>
-        </p:txBody>
-      </p:sp>
-      <p:sp>
-        <p:nvSpPr>
-          <p:cNvPr id="3" name="내용 개체 틀 2">
-            <a:extLst>
-              <a:ext uri="{FF2B5EF4-FFF2-40B4-BE49-F238E27FC236}">
-                <a16:creationId xmlns:a16="http://schemas.microsoft.com/office/drawing/2014/main" id="{51B9F019-F1DC-403F-E7C7-5B504CD920EC}"/>
-              </a:ext>
-            </a:extLst>
-          </p:cNvPr>
-          <p:cNvSpPr>
-            <a:spLocks noGrp="1"/>
-          </p:cNvSpPr>
-          <p:nvPr>
-            <p:ph idx="1"/>
-          </p:nvPr>
-        </p:nvSpPr>
-        <p:spPr/>
-        <p:txBody>
-          <a:bodyPr/>
-          <a:lstStyle/>
-          <a:p>
-            <a:endParaRPr lang="ko-KR" altLang="en-US"/>
-          </a:p>
-        </p:txBody>
-      </p:sp>
+      <p:pic>
+        <p:nvPicPr>
+          <p:cNvPr id="7" name="그림 6">
+            <a:extLst>
+              <a:ext uri="{FF2B5EF4-FFF2-40B4-BE49-F238E27FC236}">
+                <a16:creationId xmlns:a16="http://schemas.microsoft.com/office/drawing/2014/main" id="{D3E56FF1-15D2-1EFB-AFE8-F6ACCE40D2EB}"/>
+              </a:ext>
+            </a:extLst>
+          </p:cNvPr>
+          <p:cNvPicPr>
+            <a:picLocks noChangeAspect="1"/>
+          </p:cNvPicPr>
+          <p:nvPr/>
+        </p:nvPicPr>
+        <p:blipFill>
+          <a:blip r:embed="rId2"/>
+          <a:stretch>
+            <a:fillRect/>
+          </a:stretch>
+        </p:blipFill>
+        <p:spPr>
+          <a:xfrm>
+            <a:off x="190500" y="517099"/>
+            <a:ext cx="11811000" cy="3467100"/>
+          </a:xfrm>
+          <a:prstGeom prst="rect">
+            <a:avLst/>
+          </a:prstGeom>
+        </p:spPr>
+      </p:pic>
     </p:spTree>
     <p:extLst>
       <p:ext uri="{BB962C8B-B14F-4D97-AF65-F5344CB8AC3E}">
-        <p14:creationId xmlns:p14="http://schemas.microsoft.com/office/powerpoint/2010/main" val="1359759659"/>
+        <p14:creationId xmlns:p14="http://schemas.microsoft.com/office/powerpoint/2010/main" val="3099523355"/>
       </p:ext>
     </p:extLst>
   </p:cSld>
@@ -3866,7 +3903,7 @@
           <p:cNvPr id="5" name="그림 4">
             <a:extLst>
               <a:ext uri="{FF2B5EF4-FFF2-40B4-BE49-F238E27FC236}">
-                <a16:creationId xmlns:a16="http://schemas.microsoft.com/office/drawing/2014/main" id="{CC880818-F8E7-EE1D-F422-657CA4ED3063}"/>
+                <a16:creationId xmlns:a16="http://schemas.microsoft.com/office/drawing/2014/main" id="{35BD4249-2261-D58E-C256-90A70E2D204E}"/>
               </a:ext>
             </a:extLst>
           </p:cNvPr>
@@ -3883,68 +3920,8 @@
         </p:blipFill>
         <p:spPr>
           <a:xfrm>
-            <a:off x="304675" y="98300"/>
-            <a:ext cx="4672842" cy="269155"/>
-          </a:xfrm>
-          <a:prstGeom prst="rect">
-            <a:avLst/>
-          </a:prstGeom>
-        </p:spPr>
-      </p:pic>
-      <p:pic>
-        <p:nvPicPr>
-          <p:cNvPr id="11" name="그림 10">
-            <a:extLst>
-              <a:ext uri="{FF2B5EF4-FFF2-40B4-BE49-F238E27FC236}">
-                <a16:creationId xmlns:a16="http://schemas.microsoft.com/office/drawing/2014/main" id="{6A1BA7C7-1A59-9523-DF3E-866232437CA6}"/>
-              </a:ext>
-            </a:extLst>
-          </p:cNvPr>
-          <p:cNvPicPr>
-            <a:picLocks noChangeAspect="1"/>
-          </p:cNvPicPr>
-          <p:nvPr/>
-        </p:nvPicPr>
-        <p:blipFill>
-          <a:blip r:embed="rId3"/>
-          <a:stretch>
-            <a:fillRect/>
-          </a:stretch>
-        </p:blipFill>
-        <p:spPr>
-          <a:xfrm>
-            <a:off x="304675" y="542817"/>
-            <a:ext cx="6509593" cy="1197923"/>
-          </a:xfrm>
-          <a:prstGeom prst="rect">
-            <a:avLst/>
-          </a:prstGeom>
-        </p:spPr>
-      </p:pic>
-      <p:pic>
-        <p:nvPicPr>
-          <p:cNvPr id="14" name="그림 13">
-            <a:extLst>
-              <a:ext uri="{FF2B5EF4-FFF2-40B4-BE49-F238E27FC236}">
-                <a16:creationId xmlns:a16="http://schemas.microsoft.com/office/drawing/2014/main" id="{F0A512BC-342F-0DD2-9FCC-5BF50F74080C}"/>
-              </a:ext>
-            </a:extLst>
-          </p:cNvPr>
-          <p:cNvPicPr>
-            <a:picLocks noChangeAspect="1"/>
-          </p:cNvPicPr>
-          <p:nvPr/>
-        </p:nvPicPr>
-        <p:blipFill>
-          <a:blip r:embed="rId4"/>
-          <a:stretch>
-            <a:fillRect/>
-          </a:stretch>
-        </p:blipFill>
-        <p:spPr>
-          <a:xfrm>
-            <a:off x="304675" y="1844540"/>
-            <a:ext cx="11611555" cy="4819375"/>
+            <a:off x="333326" y="775028"/>
+            <a:ext cx="11525347" cy="5307943"/>
           </a:xfrm>
           <a:prstGeom prst="rect">
             <a:avLst/>
@@ -3954,7 +3931,7 @@
     </p:spTree>
     <p:extLst>
       <p:ext uri="{BB962C8B-B14F-4D97-AF65-F5344CB8AC3E}">
-        <p14:creationId xmlns:p14="http://schemas.microsoft.com/office/powerpoint/2010/main" val="3825134184"/>
+        <p14:creationId xmlns:p14="http://schemas.microsoft.com/office/powerpoint/2010/main" val="442405549"/>
       </p:ext>
     </p:extLst>
   </p:cSld>
@@ -3981,100 +3958,60 @@
           <a:chExt cx="0" cy="0"/>
         </a:xfrm>
       </p:grpSpPr>
-      <p:pic>
-        <p:nvPicPr>
-          <p:cNvPr id="7" name="그림 6">
-            <a:extLst>
-              <a:ext uri="{FF2B5EF4-FFF2-40B4-BE49-F238E27FC236}">
-                <a16:creationId xmlns:a16="http://schemas.microsoft.com/office/drawing/2014/main" id="{502AC6BB-7A7E-52B8-33F5-0839F9918670}"/>
-              </a:ext>
-            </a:extLst>
-          </p:cNvPr>
-          <p:cNvPicPr>
-            <a:picLocks noChangeAspect="1"/>
-          </p:cNvPicPr>
-          <p:nvPr/>
-        </p:nvPicPr>
-        <p:blipFill>
-          <a:blip r:embed="rId2"/>
-          <a:stretch>
-            <a:fillRect/>
-          </a:stretch>
-        </p:blipFill>
-        <p:spPr>
-          <a:xfrm>
-            <a:off x="540274" y="251170"/>
-            <a:ext cx="8058150" cy="1266825"/>
-          </a:xfrm>
-          <a:prstGeom prst="rect">
-            <a:avLst/>
-          </a:prstGeom>
-        </p:spPr>
-      </p:pic>
-      <p:pic>
-        <p:nvPicPr>
-          <p:cNvPr id="15" name="그림 14">
-            <a:extLst>
-              <a:ext uri="{FF2B5EF4-FFF2-40B4-BE49-F238E27FC236}">
-                <a16:creationId xmlns:a16="http://schemas.microsoft.com/office/drawing/2014/main" id="{0821A89A-A623-30C6-AF87-B25DEF5A05C7}"/>
-              </a:ext>
-            </a:extLst>
-          </p:cNvPr>
-          <p:cNvPicPr>
-            <a:picLocks noChangeAspect="1"/>
-          </p:cNvPicPr>
-          <p:nvPr/>
-        </p:nvPicPr>
-        <p:blipFill>
-          <a:blip r:embed="rId3"/>
-          <a:stretch>
-            <a:fillRect/>
-          </a:stretch>
-        </p:blipFill>
-        <p:spPr>
-          <a:xfrm>
-            <a:off x="490489" y="3816207"/>
-            <a:ext cx="8010525" cy="2152650"/>
-          </a:xfrm>
-          <a:prstGeom prst="rect">
-            <a:avLst/>
-          </a:prstGeom>
-        </p:spPr>
-      </p:pic>
-      <p:pic>
-        <p:nvPicPr>
-          <p:cNvPr id="17" name="그림 16">
-            <a:extLst>
-              <a:ext uri="{FF2B5EF4-FFF2-40B4-BE49-F238E27FC236}">
-                <a16:creationId xmlns:a16="http://schemas.microsoft.com/office/drawing/2014/main" id="{7AD6453F-EE1A-7B49-9D1F-A93583B20733}"/>
-              </a:ext>
-            </a:extLst>
-          </p:cNvPr>
-          <p:cNvPicPr>
-            <a:picLocks noChangeAspect="1"/>
-          </p:cNvPicPr>
-          <p:nvPr/>
-        </p:nvPicPr>
-        <p:blipFill>
-          <a:blip r:embed="rId4"/>
-          <a:stretch>
-            <a:fillRect/>
-          </a:stretch>
-        </p:blipFill>
-        <p:spPr>
-          <a:xfrm>
-            <a:off x="490489" y="1656662"/>
-            <a:ext cx="7410450" cy="1847850"/>
-          </a:xfrm>
-          <a:prstGeom prst="rect">
-            <a:avLst/>
-          </a:prstGeom>
-        </p:spPr>
-      </p:pic>
+      <p:sp>
+        <p:nvSpPr>
+          <p:cNvPr id="2" name="제목 1">
+            <a:extLst>
+              <a:ext uri="{FF2B5EF4-FFF2-40B4-BE49-F238E27FC236}">
+                <a16:creationId xmlns:a16="http://schemas.microsoft.com/office/drawing/2014/main" id="{CAA084A5-82BE-953B-9830-C53A47D9B547}"/>
+              </a:ext>
+            </a:extLst>
+          </p:cNvPr>
+          <p:cNvSpPr>
+            <a:spLocks noGrp="1"/>
+          </p:cNvSpPr>
+          <p:nvPr>
+            <p:ph type="title"/>
+          </p:nvPr>
+        </p:nvSpPr>
+        <p:spPr/>
+        <p:txBody>
+          <a:bodyPr/>
+          <a:lstStyle/>
+          <a:p>
+            <a:endParaRPr lang="ko-KR" altLang="en-US"/>
+          </a:p>
+        </p:txBody>
+      </p:sp>
+      <p:sp>
+        <p:nvSpPr>
+          <p:cNvPr id="3" name="내용 개체 틀 2">
+            <a:extLst>
+              <a:ext uri="{FF2B5EF4-FFF2-40B4-BE49-F238E27FC236}">
+                <a16:creationId xmlns:a16="http://schemas.microsoft.com/office/drawing/2014/main" id="{51B9F019-F1DC-403F-E7C7-5B504CD920EC}"/>
+              </a:ext>
+            </a:extLst>
+          </p:cNvPr>
+          <p:cNvSpPr>
+            <a:spLocks noGrp="1"/>
+          </p:cNvSpPr>
+          <p:nvPr>
+            <p:ph idx="1"/>
+          </p:nvPr>
+        </p:nvSpPr>
+        <p:spPr/>
+        <p:txBody>
+          <a:bodyPr/>
+          <a:lstStyle/>
+          <a:p>
+            <a:endParaRPr lang="ko-KR" altLang="en-US"/>
+          </a:p>
+        </p:txBody>
+      </p:sp>
     </p:spTree>
     <p:extLst>
       <p:ext uri="{BB962C8B-B14F-4D97-AF65-F5344CB8AC3E}">
-        <p14:creationId xmlns:p14="http://schemas.microsoft.com/office/powerpoint/2010/main" val="1257787713"/>
+        <p14:creationId xmlns:p14="http://schemas.microsoft.com/office/powerpoint/2010/main" val="1359759659"/>
       </p:ext>
     </p:extLst>
   </p:cSld>
@@ -4106,7 +4043,7 @@
           <p:cNvPr id="5" name="그림 4">
             <a:extLst>
               <a:ext uri="{FF2B5EF4-FFF2-40B4-BE49-F238E27FC236}">
-                <a16:creationId xmlns:a16="http://schemas.microsoft.com/office/drawing/2014/main" id="{4098E5B4-43C6-FBCF-049B-020B9257DF2A}"/>
+                <a16:creationId xmlns:a16="http://schemas.microsoft.com/office/drawing/2014/main" id="{CC880818-F8E7-EE1D-F422-657CA4ED3063}"/>
               </a:ext>
             </a:extLst>
           </p:cNvPr>
@@ -4123,8 +4060,8 @@
         </p:blipFill>
         <p:spPr>
           <a:xfrm>
-            <a:off x="956374" y="302246"/>
-            <a:ext cx="6940038" cy="2080146"/>
+            <a:off x="304675" y="98300"/>
+            <a:ext cx="4672842" cy="269155"/>
           </a:xfrm>
           <a:prstGeom prst="rect">
             <a:avLst/>
@@ -4136,7 +4073,7 @@
           <p:cNvPr id="11" name="그림 10">
             <a:extLst>
               <a:ext uri="{FF2B5EF4-FFF2-40B4-BE49-F238E27FC236}">
-                <a16:creationId xmlns:a16="http://schemas.microsoft.com/office/drawing/2014/main" id="{AD5C2DBB-A018-F878-7508-9DE1CFB93030}"/>
+                <a16:creationId xmlns:a16="http://schemas.microsoft.com/office/drawing/2014/main" id="{6A1BA7C7-1A59-9523-DF3E-866232437CA6}"/>
               </a:ext>
             </a:extLst>
           </p:cNvPr>
@@ -4153,8 +4090,8 @@
         </p:blipFill>
         <p:spPr>
           <a:xfrm>
-            <a:off x="956374" y="2691352"/>
-            <a:ext cx="9563100" cy="1238250"/>
+            <a:off x="304675" y="542817"/>
+            <a:ext cx="6509593" cy="1197923"/>
           </a:xfrm>
           <a:prstGeom prst="rect">
             <a:avLst/>
@@ -4163,10 +4100,10 @@
       </p:pic>
       <p:pic>
         <p:nvPicPr>
-          <p:cNvPr id="13" name="그림 12">
-            <a:extLst>
-              <a:ext uri="{FF2B5EF4-FFF2-40B4-BE49-F238E27FC236}">
-                <a16:creationId xmlns:a16="http://schemas.microsoft.com/office/drawing/2014/main" id="{06DAC75D-1AE4-D23B-3A0E-1B570777F4C5}"/>
+          <p:cNvPr id="14" name="그림 13">
+            <a:extLst>
+              <a:ext uri="{FF2B5EF4-FFF2-40B4-BE49-F238E27FC236}">
+                <a16:creationId xmlns:a16="http://schemas.microsoft.com/office/drawing/2014/main" id="{F0A512BC-342F-0DD2-9FCC-5BF50F74080C}"/>
               </a:ext>
             </a:extLst>
           </p:cNvPr>
@@ -4183,8 +4120,8 @@
         </p:blipFill>
         <p:spPr>
           <a:xfrm>
-            <a:off x="868914" y="4166648"/>
-            <a:ext cx="10396117" cy="2193522"/>
+            <a:off x="304675" y="1844540"/>
+            <a:ext cx="11611555" cy="4819375"/>
           </a:xfrm>
           <a:prstGeom prst="rect">
             <a:avLst/>
@@ -4194,7 +4131,7 @@
     </p:spTree>
     <p:extLst>
       <p:ext uri="{BB962C8B-B14F-4D97-AF65-F5344CB8AC3E}">
-        <p14:creationId xmlns:p14="http://schemas.microsoft.com/office/powerpoint/2010/main" val="2538433907"/>
+        <p14:creationId xmlns:p14="http://schemas.microsoft.com/office/powerpoint/2010/main" val="3825134184"/>
       </p:ext>
     </p:extLst>
   </p:cSld>
@@ -4223,10 +4160,10 @@
       </p:grpSpPr>
       <p:pic>
         <p:nvPicPr>
-          <p:cNvPr id="5" name="그림 4">
-            <a:extLst>
-              <a:ext uri="{FF2B5EF4-FFF2-40B4-BE49-F238E27FC236}">
-                <a16:creationId xmlns:a16="http://schemas.microsoft.com/office/drawing/2014/main" id="{C5FB5415-4240-1F2B-B842-D4354938FB8F}"/>
+          <p:cNvPr id="7" name="그림 6">
+            <a:extLst>
+              <a:ext uri="{FF2B5EF4-FFF2-40B4-BE49-F238E27FC236}">
+                <a16:creationId xmlns:a16="http://schemas.microsoft.com/office/drawing/2014/main" id="{502AC6BB-7A7E-52B8-33F5-0839F9918670}"/>
               </a:ext>
             </a:extLst>
           </p:cNvPr>
@@ -4243,8 +4180,68 @@
         </p:blipFill>
         <p:spPr>
           <a:xfrm>
-            <a:off x="372260" y="320511"/>
-            <a:ext cx="10600540" cy="6319389"/>
+            <a:off x="540274" y="251170"/>
+            <a:ext cx="8058150" cy="1266825"/>
+          </a:xfrm>
+          <a:prstGeom prst="rect">
+            <a:avLst/>
+          </a:prstGeom>
+        </p:spPr>
+      </p:pic>
+      <p:pic>
+        <p:nvPicPr>
+          <p:cNvPr id="15" name="그림 14">
+            <a:extLst>
+              <a:ext uri="{FF2B5EF4-FFF2-40B4-BE49-F238E27FC236}">
+                <a16:creationId xmlns:a16="http://schemas.microsoft.com/office/drawing/2014/main" id="{0821A89A-A623-30C6-AF87-B25DEF5A05C7}"/>
+              </a:ext>
+            </a:extLst>
+          </p:cNvPr>
+          <p:cNvPicPr>
+            <a:picLocks noChangeAspect="1"/>
+          </p:cNvPicPr>
+          <p:nvPr/>
+        </p:nvPicPr>
+        <p:blipFill>
+          <a:blip r:embed="rId3"/>
+          <a:stretch>
+            <a:fillRect/>
+          </a:stretch>
+        </p:blipFill>
+        <p:spPr>
+          <a:xfrm>
+            <a:off x="490489" y="3816207"/>
+            <a:ext cx="8010525" cy="2152650"/>
+          </a:xfrm>
+          <a:prstGeom prst="rect">
+            <a:avLst/>
+          </a:prstGeom>
+        </p:spPr>
+      </p:pic>
+      <p:pic>
+        <p:nvPicPr>
+          <p:cNvPr id="17" name="그림 16">
+            <a:extLst>
+              <a:ext uri="{FF2B5EF4-FFF2-40B4-BE49-F238E27FC236}">
+                <a16:creationId xmlns:a16="http://schemas.microsoft.com/office/drawing/2014/main" id="{7AD6453F-EE1A-7B49-9D1F-A93583B20733}"/>
+              </a:ext>
+            </a:extLst>
+          </p:cNvPr>
+          <p:cNvPicPr>
+            <a:picLocks noChangeAspect="1"/>
+          </p:cNvPicPr>
+          <p:nvPr/>
+        </p:nvPicPr>
+        <p:blipFill>
+          <a:blip r:embed="rId4"/>
+          <a:stretch>
+            <a:fillRect/>
+          </a:stretch>
+        </p:blipFill>
+        <p:spPr>
+          <a:xfrm>
+            <a:off x="490489" y="1656662"/>
+            <a:ext cx="7410450" cy="1847850"/>
           </a:xfrm>
           <a:prstGeom prst="rect">
             <a:avLst/>
@@ -4254,7 +4251,7 @@
     </p:spTree>
     <p:extLst>
       <p:ext uri="{BB962C8B-B14F-4D97-AF65-F5344CB8AC3E}">
-        <p14:creationId xmlns:p14="http://schemas.microsoft.com/office/powerpoint/2010/main" val="1158344795"/>
+        <p14:creationId xmlns:p14="http://schemas.microsoft.com/office/powerpoint/2010/main" val="1257787713"/>
       </p:ext>
     </p:extLst>
   </p:cSld>
@@ -4283,10 +4280,10 @@
       </p:grpSpPr>
       <p:pic>
         <p:nvPicPr>
-          <p:cNvPr id="7" name="그림 6">
-            <a:extLst>
-              <a:ext uri="{FF2B5EF4-FFF2-40B4-BE49-F238E27FC236}">
-                <a16:creationId xmlns:a16="http://schemas.microsoft.com/office/drawing/2014/main" id="{1EDCAD64-D1A2-BB6B-13B4-E74B9D99D1CD}"/>
+          <p:cNvPr id="5" name="그림 4">
+            <a:extLst>
+              <a:ext uri="{FF2B5EF4-FFF2-40B4-BE49-F238E27FC236}">
+                <a16:creationId xmlns:a16="http://schemas.microsoft.com/office/drawing/2014/main" id="{4098E5B4-43C6-FBCF-049B-020B9257DF2A}"/>
               </a:ext>
             </a:extLst>
           </p:cNvPr>
@@ -4303,8 +4300,8 @@
         </p:blipFill>
         <p:spPr>
           <a:xfrm>
-            <a:off x="969536" y="176997"/>
-            <a:ext cx="7372350" cy="2476500"/>
+            <a:off x="956374" y="302246"/>
+            <a:ext cx="6940038" cy="2080146"/>
           </a:xfrm>
           <a:prstGeom prst="rect">
             <a:avLst/>
@@ -4313,10 +4310,10 @@
       </p:pic>
       <p:pic>
         <p:nvPicPr>
-          <p:cNvPr id="9" name="그림 8">
-            <a:extLst>
-              <a:ext uri="{FF2B5EF4-FFF2-40B4-BE49-F238E27FC236}">
-                <a16:creationId xmlns:a16="http://schemas.microsoft.com/office/drawing/2014/main" id="{874B51F9-8DC7-6512-A39F-E1F43887E66D}"/>
+          <p:cNvPr id="11" name="그림 10">
+            <a:extLst>
+              <a:ext uri="{FF2B5EF4-FFF2-40B4-BE49-F238E27FC236}">
+                <a16:creationId xmlns:a16="http://schemas.microsoft.com/office/drawing/2014/main" id="{AD5C2DBB-A018-F878-7508-9DE1CFB93030}"/>
               </a:ext>
             </a:extLst>
           </p:cNvPr>
@@ -4333,8 +4330,38 @@
         </p:blipFill>
         <p:spPr>
           <a:xfrm>
-            <a:off x="969536" y="2907334"/>
-            <a:ext cx="9591675" cy="3362325"/>
+            <a:off x="956374" y="2691352"/>
+            <a:ext cx="9563100" cy="1238250"/>
+          </a:xfrm>
+          <a:prstGeom prst="rect">
+            <a:avLst/>
+          </a:prstGeom>
+        </p:spPr>
+      </p:pic>
+      <p:pic>
+        <p:nvPicPr>
+          <p:cNvPr id="13" name="그림 12">
+            <a:extLst>
+              <a:ext uri="{FF2B5EF4-FFF2-40B4-BE49-F238E27FC236}">
+                <a16:creationId xmlns:a16="http://schemas.microsoft.com/office/drawing/2014/main" id="{06DAC75D-1AE4-D23B-3A0E-1B570777F4C5}"/>
+              </a:ext>
+            </a:extLst>
+          </p:cNvPr>
+          <p:cNvPicPr>
+            <a:picLocks noChangeAspect="1"/>
+          </p:cNvPicPr>
+          <p:nvPr/>
+        </p:nvPicPr>
+        <p:blipFill>
+          <a:blip r:embed="rId4"/>
+          <a:stretch>
+            <a:fillRect/>
+          </a:stretch>
+        </p:blipFill>
+        <p:spPr>
+          <a:xfrm>
+            <a:off x="868914" y="4166648"/>
+            <a:ext cx="10396117" cy="2193522"/>
           </a:xfrm>
           <a:prstGeom prst="rect">
             <a:avLst/>
@@ -4344,7 +4371,7 @@
     </p:spTree>
     <p:extLst>
       <p:ext uri="{BB962C8B-B14F-4D97-AF65-F5344CB8AC3E}">
-        <p14:creationId xmlns:p14="http://schemas.microsoft.com/office/powerpoint/2010/main" val="3976879343"/>
+        <p14:creationId xmlns:p14="http://schemas.microsoft.com/office/powerpoint/2010/main" val="2538433907"/>
       </p:ext>
     </p:extLst>
   </p:cSld>
@@ -4466,6 +4493,156 @@
           <p:cNvPr id="5" name="그림 4">
             <a:extLst>
               <a:ext uri="{FF2B5EF4-FFF2-40B4-BE49-F238E27FC236}">
+                <a16:creationId xmlns:a16="http://schemas.microsoft.com/office/drawing/2014/main" id="{C5FB5415-4240-1F2B-B842-D4354938FB8F}"/>
+              </a:ext>
+            </a:extLst>
+          </p:cNvPr>
+          <p:cNvPicPr>
+            <a:picLocks noChangeAspect="1"/>
+          </p:cNvPicPr>
+          <p:nvPr/>
+        </p:nvPicPr>
+        <p:blipFill>
+          <a:blip r:embed="rId2"/>
+          <a:stretch>
+            <a:fillRect/>
+          </a:stretch>
+        </p:blipFill>
+        <p:spPr>
+          <a:xfrm>
+            <a:off x="372260" y="320511"/>
+            <a:ext cx="10600540" cy="6319389"/>
+          </a:xfrm>
+          <a:prstGeom prst="rect">
+            <a:avLst/>
+          </a:prstGeom>
+        </p:spPr>
+      </p:pic>
+    </p:spTree>
+    <p:extLst>
+      <p:ext uri="{BB962C8B-B14F-4D97-AF65-F5344CB8AC3E}">
+        <p14:creationId xmlns:p14="http://schemas.microsoft.com/office/powerpoint/2010/main" val="1158344795"/>
+      </p:ext>
+    </p:extLst>
+  </p:cSld>
+  <p:clrMapOvr>
+    <a:masterClrMapping/>
+  </p:clrMapOvr>
+</p:sld>
+</file>
+
+<file path=ppt/slides/slide21.xml><?xml version="1.0" encoding="utf-8"?>
+<p:sld xmlns:a="http://schemas.openxmlformats.org/drawingml/2006/main" xmlns:r="http://schemas.openxmlformats.org/officeDocument/2006/relationships" xmlns:p="http://schemas.openxmlformats.org/presentationml/2006/main">
+  <p:cSld>
+    <p:spTree>
+      <p:nvGrpSpPr>
+        <p:cNvPr id="1" name=""/>
+        <p:cNvGrpSpPr/>
+        <p:nvPr/>
+      </p:nvGrpSpPr>
+      <p:grpSpPr>
+        <a:xfrm>
+          <a:off x="0" y="0"/>
+          <a:ext cx="0" cy="0"/>
+          <a:chOff x="0" y="0"/>
+          <a:chExt cx="0" cy="0"/>
+        </a:xfrm>
+      </p:grpSpPr>
+      <p:pic>
+        <p:nvPicPr>
+          <p:cNvPr id="7" name="그림 6">
+            <a:extLst>
+              <a:ext uri="{FF2B5EF4-FFF2-40B4-BE49-F238E27FC236}">
+                <a16:creationId xmlns:a16="http://schemas.microsoft.com/office/drawing/2014/main" id="{1EDCAD64-D1A2-BB6B-13B4-E74B9D99D1CD}"/>
+              </a:ext>
+            </a:extLst>
+          </p:cNvPr>
+          <p:cNvPicPr>
+            <a:picLocks noChangeAspect="1"/>
+          </p:cNvPicPr>
+          <p:nvPr/>
+        </p:nvPicPr>
+        <p:blipFill>
+          <a:blip r:embed="rId2"/>
+          <a:stretch>
+            <a:fillRect/>
+          </a:stretch>
+        </p:blipFill>
+        <p:spPr>
+          <a:xfrm>
+            <a:off x="969536" y="176997"/>
+            <a:ext cx="7372350" cy="2476500"/>
+          </a:xfrm>
+          <a:prstGeom prst="rect">
+            <a:avLst/>
+          </a:prstGeom>
+        </p:spPr>
+      </p:pic>
+      <p:pic>
+        <p:nvPicPr>
+          <p:cNvPr id="9" name="그림 8">
+            <a:extLst>
+              <a:ext uri="{FF2B5EF4-FFF2-40B4-BE49-F238E27FC236}">
+                <a16:creationId xmlns:a16="http://schemas.microsoft.com/office/drawing/2014/main" id="{874B51F9-8DC7-6512-A39F-E1F43887E66D}"/>
+              </a:ext>
+            </a:extLst>
+          </p:cNvPr>
+          <p:cNvPicPr>
+            <a:picLocks noChangeAspect="1"/>
+          </p:cNvPicPr>
+          <p:nvPr/>
+        </p:nvPicPr>
+        <p:blipFill>
+          <a:blip r:embed="rId3"/>
+          <a:stretch>
+            <a:fillRect/>
+          </a:stretch>
+        </p:blipFill>
+        <p:spPr>
+          <a:xfrm>
+            <a:off x="969536" y="2907334"/>
+            <a:ext cx="9591675" cy="3362325"/>
+          </a:xfrm>
+          <a:prstGeom prst="rect">
+            <a:avLst/>
+          </a:prstGeom>
+        </p:spPr>
+      </p:pic>
+    </p:spTree>
+    <p:extLst>
+      <p:ext uri="{BB962C8B-B14F-4D97-AF65-F5344CB8AC3E}">
+        <p14:creationId xmlns:p14="http://schemas.microsoft.com/office/powerpoint/2010/main" val="3976879343"/>
+      </p:ext>
+    </p:extLst>
+  </p:cSld>
+  <p:clrMapOvr>
+    <a:masterClrMapping/>
+  </p:clrMapOvr>
+</p:sld>
+</file>
+
+<file path=ppt/slides/slide22.xml><?xml version="1.0" encoding="utf-8"?>
+<p:sld xmlns:a="http://schemas.openxmlformats.org/drawingml/2006/main" xmlns:r="http://schemas.openxmlformats.org/officeDocument/2006/relationships" xmlns:p="http://schemas.openxmlformats.org/presentationml/2006/main">
+  <p:cSld>
+    <p:spTree>
+      <p:nvGrpSpPr>
+        <p:cNvPr id="1" name=""/>
+        <p:cNvGrpSpPr/>
+        <p:nvPr/>
+      </p:nvGrpSpPr>
+      <p:grpSpPr>
+        <a:xfrm>
+          <a:off x="0" y="0"/>
+          <a:ext cx="0" cy="0"/>
+          <a:chOff x="0" y="0"/>
+          <a:chExt cx="0" cy="0"/>
+        </a:xfrm>
+      </p:grpSpPr>
+      <p:pic>
+        <p:nvPicPr>
+          <p:cNvPr id="5" name="그림 4">
+            <a:extLst>
+              <a:ext uri="{FF2B5EF4-FFF2-40B4-BE49-F238E27FC236}">
                 <a16:creationId xmlns:a16="http://schemas.microsoft.com/office/drawing/2014/main" id="{B133BF46-A0A1-34F8-890C-22B4AB4967B9}"/>
               </a:ext>
             </a:extLst>
@@ -4504,7 +4681,7 @@
 </p:sld>
 </file>
 
-<file path=ppt/slides/slide21.xml><?xml version="1.0" encoding="utf-8"?>
+<file path=ppt/slides/slide23.xml><?xml version="1.0" encoding="utf-8"?>
 <p:sld xmlns:a="http://schemas.openxmlformats.org/drawingml/2006/main" xmlns:r="http://schemas.openxmlformats.org/officeDocument/2006/relationships" xmlns:p="http://schemas.openxmlformats.org/presentationml/2006/main">
   <p:cSld>
     <p:spTree>
@@ -4534,7 +4711,7 @@
 </p:sld>
 </file>
 
-<file path=ppt/slides/slide22.xml><?xml version="1.0" encoding="utf-8"?>
+<file path=ppt/slides/slide24.xml><?xml version="1.0" encoding="utf-8"?>
 <p:sld xmlns:a="http://schemas.openxmlformats.org/drawingml/2006/main" xmlns:r="http://schemas.openxmlformats.org/officeDocument/2006/relationships" xmlns:p="http://schemas.openxmlformats.org/presentationml/2006/main">
   <p:cSld>
     <p:spTree>
@@ -4684,7 +4861,7 @@
 </p:sld>
 </file>
 
-<file path=ppt/slides/slide23.xml><?xml version="1.0" encoding="utf-8"?>
+<file path=ppt/slides/slide25.xml><?xml version="1.0" encoding="utf-8"?>
 <p:sld xmlns:a="http://schemas.openxmlformats.org/drawingml/2006/main" xmlns:r="http://schemas.openxmlformats.org/officeDocument/2006/relationships" xmlns:p="http://schemas.openxmlformats.org/presentationml/2006/main">
   <p:cSld>
     <p:spTree>
@@ -4883,10 +5060,10 @@
       </p:grpSpPr>
       <p:pic>
         <p:nvPicPr>
-          <p:cNvPr id="7" name="그림 6">
-            <a:extLst>
-              <a:ext uri="{FF2B5EF4-FFF2-40B4-BE49-F238E27FC236}">
-                <a16:creationId xmlns:a16="http://schemas.microsoft.com/office/drawing/2014/main" id="{54A68D37-2306-3C37-CF71-1807FB93EA4E}"/>
+          <p:cNvPr id="11" name="그림 10">
+            <a:extLst>
+              <a:ext uri="{FF2B5EF4-FFF2-40B4-BE49-F238E27FC236}">
+                <a16:creationId xmlns:a16="http://schemas.microsoft.com/office/drawing/2014/main" id="{C23C40D8-ADFE-1114-195C-7DB529C19C62}"/>
               </a:ext>
             </a:extLst>
           </p:cNvPr>
@@ -4903,68 +5080,8 @@
         </p:blipFill>
         <p:spPr>
           <a:xfrm>
-            <a:off x="1463615" y="582975"/>
-            <a:ext cx="7267575" cy="1333500"/>
-          </a:xfrm>
-          <a:prstGeom prst="rect">
-            <a:avLst/>
-          </a:prstGeom>
-        </p:spPr>
-      </p:pic>
-      <p:pic>
-        <p:nvPicPr>
-          <p:cNvPr id="9" name="그림 8">
-            <a:extLst>
-              <a:ext uri="{FF2B5EF4-FFF2-40B4-BE49-F238E27FC236}">
-                <a16:creationId xmlns:a16="http://schemas.microsoft.com/office/drawing/2014/main" id="{F264DB59-354B-F342-1752-F5568F6F7FE9}"/>
-              </a:ext>
-            </a:extLst>
-          </p:cNvPr>
-          <p:cNvPicPr>
-            <a:picLocks noChangeAspect="1"/>
-          </p:cNvPicPr>
-          <p:nvPr/>
-        </p:nvPicPr>
-        <p:blipFill>
-          <a:blip r:embed="rId3"/>
-          <a:stretch>
-            <a:fillRect/>
-          </a:stretch>
-        </p:blipFill>
-        <p:spPr>
-          <a:xfrm>
-            <a:off x="1463615" y="1916475"/>
-            <a:ext cx="7375607" cy="1903077"/>
-          </a:xfrm>
-          <a:prstGeom prst="rect">
-            <a:avLst/>
-          </a:prstGeom>
-        </p:spPr>
-      </p:pic>
-      <p:pic>
-        <p:nvPicPr>
-          <p:cNvPr id="16" name="그림 15">
-            <a:extLst>
-              <a:ext uri="{FF2B5EF4-FFF2-40B4-BE49-F238E27FC236}">
-                <a16:creationId xmlns:a16="http://schemas.microsoft.com/office/drawing/2014/main" id="{68503433-CB47-919C-8AFE-E11C6055BC9E}"/>
-              </a:ext>
-            </a:extLst>
-          </p:cNvPr>
-          <p:cNvPicPr>
-            <a:picLocks noChangeAspect="1"/>
-          </p:cNvPicPr>
-          <p:nvPr/>
-        </p:nvPicPr>
-        <p:blipFill>
-          <a:blip r:embed="rId4"/>
-          <a:stretch>
-            <a:fillRect/>
-          </a:stretch>
-        </p:blipFill>
-        <p:spPr>
-          <a:xfrm>
-            <a:off x="1463616" y="3956716"/>
-            <a:ext cx="7501276" cy="2245131"/>
+            <a:off x="3028950" y="138112"/>
+            <a:ext cx="6134100" cy="6581775"/>
           </a:xfrm>
           <a:prstGeom prst="rect">
             <a:avLst/>
@@ -4974,7 +5091,7 @@
     </p:spTree>
     <p:extLst>
       <p:ext uri="{BB962C8B-B14F-4D97-AF65-F5344CB8AC3E}">
-        <p14:creationId xmlns:p14="http://schemas.microsoft.com/office/powerpoint/2010/main" val="767965176"/>
+        <p14:creationId xmlns:p14="http://schemas.microsoft.com/office/powerpoint/2010/main" val="3053955409"/>
       </p:ext>
     </p:extLst>
   </p:cSld>
@@ -5003,10 +5120,10 @@
       </p:grpSpPr>
       <p:pic>
         <p:nvPicPr>
-          <p:cNvPr id="13" name="그림 12">
-            <a:extLst>
-              <a:ext uri="{FF2B5EF4-FFF2-40B4-BE49-F238E27FC236}">
-                <a16:creationId xmlns:a16="http://schemas.microsoft.com/office/drawing/2014/main" id="{9E3628D0-4563-69D3-EE0E-A566B2094793}"/>
+          <p:cNvPr id="7" name="그림 6">
+            <a:extLst>
+              <a:ext uri="{FF2B5EF4-FFF2-40B4-BE49-F238E27FC236}">
+                <a16:creationId xmlns:a16="http://schemas.microsoft.com/office/drawing/2014/main" id="{54A68D37-2306-3C37-CF71-1807FB93EA4E}"/>
               </a:ext>
             </a:extLst>
           </p:cNvPr>
@@ -5023,8 +5140,68 @@
         </p:blipFill>
         <p:spPr>
           <a:xfrm>
-            <a:off x="1564848" y="196060"/>
-            <a:ext cx="9040307" cy="6450187"/>
+            <a:off x="1463615" y="582975"/>
+            <a:ext cx="7267575" cy="1333500"/>
+          </a:xfrm>
+          <a:prstGeom prst="rect">
+            <a:avLst/>
+          </a:prstGeom>
+        </p:spPr>
+      </p:pic>
+      <p:pic>
+        <p:nvPicPr>
+          <p:cNvPr id="9" name="그림 8">
+            <a:extLst>
+              <a:ext uri="{FF2B5EF4-FFF2-40B4-BE49-F238E27FC236}">
+                <a16:creationId xmlns:a16="http://schemas.microsoft.com/office/drawing/2014/main" id="{F264DB59-354B-F342-1752-F5568F6F7FE9}"/>
+              </a:ext>
+            </a:extLst>
+          </p:cNvPr>
+          <p:cNvPicPr>
+            <a:picLocks noChangeAspect="1"/>
+          </p:cNvPicPr>
+          <p:nvPr/>
+        </p:nvPicPr>
+        <p:blipFill>
+          <a:blip r:embed="rId3"/>
+          <a:stretch>
+            <a:fillRect/>
+          </a:stretch>
+        </p:blipFill>
+        <p:spPr>
+          <a:xfrm>
+            <a:off x="1463615" y="1916475"/>
+            <a:ext cx="7375607" cy="1903077"/>
+          </a:xfrm>
+          <a:prstGeom prst="rect">
+            <a:avLst/>
+          </a:prstGeom>
+        </p:spPr>
+      </p:pic>
+      <p:pic>
+        <p:nvPicPr>
+          <p:cNvPr id="16" name="그림 15">
+            <a:extLst>
+              <a:ext uri="{FF2B5EF4-FFF2-40B4-BE49-F238E27FC236}">
+                <a16:creationId xmlns:a16="http://schemas.microsoft.com/office/drawing/2014/main" id="{68503433-CB47-919C-8AFE-E11C6055BC9E}"/>
+              </a:ext>
+            </a:extLst>
+          </p:cNvPr>
+          <p:cNvPicPr>
+            <a:picLocks noChangeAspect="1"/>
+          </p:cNvPicPr>
+          <p:nvPr/>
+        </p:nvPicPr>
+        <p:blipFill>
+          <a:blip r:embed="rId4"/>
+          <a:stretch>
+            <a:fillRect/>
+          </a:stretch>
+        </p:blipFill>
+        <p:spPr>
+          <a:xfrm>
+            <a:off x="1463616" y="3956716"/>
+            <a:ext cx="7501276" cy="2245131"/>
           </a:xfrm>
           <a:prstGeom prst="rect">
             <a:avLst/>
@@ -5034,7 +5211,7 @@
     </p:spTree>
     <p:extLst>
       <p:ext uri="{BB962C8B-B14F-4D97-AF65-F5344CB8AC3E}">
-        <p14:creationId xmlns:p14="http://schemas.microsoft.com/office/powerpoint/2010/main" val="1341402649"/>
+        <p14:creationId xmlns:p14="http://schemas.microsoft.com/office/powerpoint/2010/main" val="767965176"/>
       </p:ext>
     </p:extLst>
   </p:cSld>
@@ -5066,7 +5243,7 @@
           <p:cNvPr id="5" name="그림 4">
             <a:extLst>
               <a:ext uri="{FF2B5EF4-FFF2-40B4-BE49-F238E27FC236}">
-                <a16:creationId xmlns:a16="http://schemas.microsoft.com/office/drawing/2014/main" id="{A90607AD-D7B1-1A70-765F-05074C700986}"/>
+                <a16:creationId xmlns:a16="http://schemas.microsoft.com/office/drawing/2014/main" id="{29BE3F60-5B79-CF19-B464-91B4FB4289E8}"/>
               </a:ext>
             </a:extLst>
           </p:cNvPr>
@@ -5083,38 +5260,8 @@
         </p:blipFill>
         <p:spPr>
           <a:xfrm>
-            <a:off x="971550" y="303804"/>
-            <a:ext cx="6280805" cy="1345887"/>
-          </a:xfrm>
-          <a:prstGeom prst="rect">
-            <a:avLst/>
-          </a:prstGeom>
-        </p:spPr>
-      </p:pic>
-      <p:pic>
-        <p:nvPicPr>
-          <p:cNvPr id="11" name="그림 10">
-            <a:extLst>
-              <a:ext uri="{FF2B5EF4-FFF2-40B4-BE49-F238E27FC236}">
-                <a16:creationId xmlns:a16="http://schemas.microsoft.com/office/drawing/2014/main" id="{F6E9B0D7-F400-D3D2-ADE0-B35F23FDE46A}"/>
-              </a:ext>
-            </a:extLst>
-          </p:cNvPr>
-          <p:cNvPicPr>
-            <a:picLocks noChangeAspect="1"/>
-          </p:cNvPicPr>
-          <p:nvPr/>
-        </p:nvPicPr>
-        <p:blipFill>
-          <a:blip r:embed="rId3"/>
-          <a:stretch>
-            <a:fillRect/>
-          </a:stretch>
-        </p:blipFill>
-        <p:spPr>
-          <a:xfrm>
-            <a:off x="971550" y="1980917"/>
-            <a:ext cx="10576285" cy="3930209"/>
+            <a:off x="3883843" y="357658"/>
+            <a:ext cx="4317477" cy="5994354"/>
           </a:xfrm>
           <a:prstGeom prst="rect">
             <a:avLst/>
@@ -5124,7 +5271,7 @@
     </p:spTree>
     <p:extLst>
       <p:ext uri="{BB962C8B-B14F-4D97-AF65-F5344CB8AC3E}">
-        <p14:creationId xmlns:p14="http://schemas.microsoft.com/office/powerpoint/2010/main" val="2745626759"/>
+        <p14:creationId xmlns:p14="http://schemas.microsoft.com/office/powerpoint/2010/main" val="494755102"/>
       </p:ext>
     </p:extLst>
   </p:cSld>
@@ -5153,10 +5300,10 @@
       </p:grpSpPr>
       <p:pic>
         <p:nvPicPr>
-          <p:cNvPr id="5" name="그림 4">
-            <a:extLst>
-              <a:ext uri="{FF2B5EF4-FFF2-40B4-BE49-F238E27FC236}">
-                <a16:creationId xmlns:a16="http://schemas.microsoft.com/office/drawing/2014/main" id="{1773E18D-9E42-15D8-8A50-38028F788CF5}"/>
+          <p:cNvPr id="13" name="그림 12">
+            <a:extLst>
+              <a:ext uri="{FF2B5EF4-FFF2-40B4-BE49-F238E27FC236}">
+                <a16:creationId xmlns:a16="http://schemas.microsoft.com/office/drawing/2014/main" id="{9E3628D0-4563-69D3-EE0E-A566B2094793}"/>
               </a:ext>
             </a:extLst>
           </p:cNvPr>
@@ -5173,8 +5320,8 @@
         </p:blipFill>
         <p:spPr>
           <a:xfrm>
-            <a:off x="1287546" y="450799"/>
-            <a:ext cx="7864405" cy="2205548"/>
+            <a:off x="1564848" y="196060"/>
+            <a:ext cx="9040307" cy="6450187"/>
           </a:xfrm>
           <a:prstGeom prst="rect">
             <a:avLst/>
@@ -5184,7 +5331,7 @@
     </p:spTree>
     <p:extLst>
       <p:ext uri="{BB962C8B-B14F-4D97-AF65-F5344CB8AC3E}">
-        <p14:creationId xmlns:p14="http://schemas.microsoft.com/office/powerpoint/2010/main" val="1217195269"/>
+        <p14:creationId xmlns:p14="http://schemas.microsoft.com/office/powerpoint/2010/main" val="1341402649"/>
       </p:ext>
     </p:extLst>
   </p:cSld>
@@ -5211,60 +5358,70 @@
           <a:chExt cx="0" cy="0"/>
         </a:xfrm>
       </p:grpSpPr>
-      <p:sp>
-        <p:nvSpPr>
-          <p:cNvPr id="2" name="제목 1">
-            <a:extLst>
-              <a:ext uri="{FF2B5EF4-FFF2-40B4-BE49-F238E27FC236}">
-                <a16:creationId xmlns:a16="http://schemas.microsoft.com/office/drawing/2014/main" id="{8A937297-874A-346F-9984-8130EB98CAF9}"/>
-              </a:ext>
-            </a:extLst>
-          </p:cNvPr>
-          <p:cNvSpPr>
-            <a:spLocks noGrp="1"/>
-          </p:cNvSpPr>
-          <p:nvPr>
-            <p:ph type="title"/>
-          </p:nvPr>
-        </p:nvSpPr>
-        <p:spPr/>
-        <p:txBody>
-          <a:bodyPr/>
-          <a:lstStyle/>
-          <a:p>
-            <a:endParaRPr lang="ko-KR" altLang="en-US"/>
-          </a:p>
-        </p:txBody>
-      </p:sp>
-      <p:sp>
-        <p:nvSpPr>
-          <p:cNvPr id="3" name="내용 개체 틀 2">
-            <a:extLst>
-              <a:ext uri="{FF2B5EF4-FFF2-40B4-BE49-F238E27FC236}">
-                <a16:creationId xmlns:a16="http://schemas.microsoft.com/office/drawing/2014/main" id="{49027FE2-EBC6-5B1F-0079-8C4AFA16D099}"/>
-              </a:ext>
-            </a:extLst>
-          </p:cNvPr>
-          <p:cNvSpPr>
-            <a:spLocks noGrp="1"/>
-          </p:cNvSpPr>
-          <p:nvPr>
-            <p:ph idx="1"/>
-          </p:nvPr>
-        </p:nvSpPr>
-        <p:spPr/>
-        <p:txBody>
-          <a:bodyPr/>
-          <a:lstStyle/>
-          <a:p>
-            <a:endParaRPr lang="ko-KR" altLang="en-US"/>
-          </a:p>
-        </p:txBody>
-      </p:sp>
+      <p:pic>
+        <p:nvPicPr>
+          <p:cNvPr id="5" name="그림 4">
+            <a:extLst>
+              <a:ext uri="{FF2B5EF4-FFF2-40B4-BE49-F238E27FC236}">
+                <a16:creationId xmlns:a16="http://schemas.microsoft.com/office/drawing/2014/main" id="{A90607AD-D7B1-1A70-765F-05074C700986}"/>
+              </a:ext>
+            </a:extLst>
+          </p:cNvPr>
+          <p:cNvPicPr>
+            <a:picLocks noChangeAspect="1"/>
+          </p:cNvPicPr>
+          <p:nvPr/>
+        </p:nvPicPr>
+        <p:blipFill>
+          <a:blip r:embed="rId2"/>
+          <a:stretch>
+            <a:fillRect/>
+          </a:stretch>
+        </p:blipFill>
+        <p:spPr>
+          <a:xfrm>
+            <a:off x="971550" y="303804"/>
+            <a:ext cx="6280805" cy="1345887"/>
+          </a:xfrm>
+          <a:prstGeom prst="rect">
+            <a:avLst/>
+          </a:prstGeom>
+        </p:spPr>
+      </p:pic>
+      <p:pic>
+        <p:nvPicPr>
+          <p:cNvPr id="11" name="그림 10">
+            <a:extLst>
+              <a:ext uri="{FF2B5EF4-FFF2-40B4-BE49-F238E27FC236}">
+                <a16:creationId xmlns:a16="http://schemas.microsoft.com/office/drawing/2014/main" id="{F6E9B0D7-F400-D3D2-ADE0-B35F23FDE46A}"/>
+              </a:ext>
+            </a:extLst>
+          </p:cNvPr>
+          <p:cNvPicPr>
+            <a:picLocks noChangeAspect="1"/>
+          </p:cNvPicPr>
+          <p:nvPr/>
+        </p:nvPicPr>
+        <p:blipFill>
+          <a:blip r:embed="rId3"/>
+          <a:stretch>
+            <a:fillRect/>
+          </a:stretch>
+        </p:blipFill>
+        <p:spPr>
+          <a:xfrm>
+            <a:off x="971550" y="1980917"/>
+            <a:ext cx="10576285" cy="3930209"/>
+          </a:xfrm>
+          <a:prstGeom prst="rect">
+            <a:avLst/>
+          </a:prstGeom>
+        </p:spPr>
+      </p:pic>
     </p:spTree>
     <p:extLst>
       <p:ext uri="{BB962C8B-B14F-4D97-AF65-F5344CB8AC3E}">
-        <p14:creationId xmlns:p14="http://schemas.microsoft.com/office/powerpoint/2010/main" val="373670598"/>
+        <p14:creationId xmlns:p14="http://schemas.microsoft.com/office/powerpoint/2010/main" val="2745626759"/>
       </p:ext>
     </p:extLst>
   </p:cSld>
@@ -5296,7 +5453,7 @@
           <p:cNvPr id="5" name="그림 4">
             <a:extLst>
               <a:ext uri="{FF2B5EF4-FFF2-40B4-BE49-F238E27FC236}">
-                <a16:creationId xmlns:a16="http://schemas.microsoft.com/office/drawing/2014/main" id="{3B9C902A-F07D-FA30-FA8F-FBF300CCDA12}"/>
+                <a16:creationId xmlns:a16="http://schemas.microsoft.com/office/drawing/2014/main" id="{1773E18D-9E42-15D8-8A50-38028F788CF5}"/>
               </a:ext>
             </a:extLst>
           </p:cNvPr>
@@ -5313,38 +5470,8 @@
         </p:blipFill>
         <p:spPr>
           <a:xfrm>
-            <a:off x="985395" y="313883"/>
-            <a:ext cx="9391650" cy="1743075"/>
-          </a:xfrm>
-          <a:prstGeom prst="rect">
-            <a:avLst/>
-          </a:prstGeom>
-        </p:spPr>
-      </p:pic>
-      <p:pic>
-        <p:nvPicPr>
-          <p:cNvPr id="7" name="그림 6">
-            <a:extLst>
-              <a:ext uri="{FF2B5EF4-FFF2-40B4-BE49-F238E27FC236}">
-                <a16:creationId xmlns:a16="http://schemas.microsoft.com/office/drawing/2014/main" id="{6A948020-971E-AD97-F91A-37AFACBCAAFB}"/>
-              </a:ext>
-            </a:extLst>
-          </p:cNvPr>
-          <p:cNvPicPr>
-            <a:picLocks noChangeAspect="1"/>
-          </p:cNvPicPr>
-          <p:nvPr/>
-        </p:nvPicPr>
-        <p:blipFill>
-          <a:blip r:embed="rId3"/>
-          <a:stretch>
-            <a:fillRect/>
-          </a:stretch>
-        </p:blipFill>
-        <p:spPr>
-          <a:xfrm>
-            <a:off x="1280523" y="2325623"/>
-            <a:ext cx="7910611" cy="2827258"/>
+            <a:off x="1287546" y="450799"/>
+            <a:ext cx="7864405" cy="2205548"/>
           </a:xfrm>
           <a:prstGeom prst="rect">
             <a:avLst/>
@@ -5354,7 +5481,7 @@
     </p:spTree>
     <p:extLst>
       <p:ext uri="{BB962C8B-B14F-4D97-AF65-F5344CB8AC3E}">
-        <p14:creationId xmlns:p14="http://schemas.microsoft.com/office/powerpoint/2010/main" val="2796083690"/>
+        <p14:creationId xmlns:p14="http://schemas.microsoft.com/office/powerpoint/2010/main" val="1217195269"/>
       </p:ext>
     </p:extLst>
   </p:cSld>

--- a/hkAiRpaProject/스프링부트 멤버CRUD.pptx
+++ b/hkAiRpaProject/스프링부트 멤버CRUD.pptx
@@ -319,7 +319,7 @@
           <a:p>
             <a:fld id="{D019170F-C7B6-4288-B818-BC374900726F}" type="datetimeFigureOut">
               <a:rPr lang="ko-KR" altLang="en-US" smtClean="0"/>
-              <a:t>2023-04-05</a:t>
+              <a:t>2023-04-06</a:t>
             </a:fld>
             <a:endParaRPr lang="ko-KR" altLang="en-US"/>
           </a:p>
@@ -517,7 +517,7 @@
           <a:p>
             <a:fld id="{D019170F-C7B6-4288-B818-BC374900726F}" type="datetimeFigureOut">
               <a:rPr lang="ko-KR" altLang="en-US" smtClean="0"/>
-              <a:t>2023-04-05</a:t>
+              <a:t>2023-04-06</a:t>
             </a:fld>
             <a:endParaRPr lang="ko-KR" altLang="en-US"/>
           </a:p>
@@ -725,7 +725,7 @@
           <a:p>
             <a:fld id="{D019170F-C7B6-4288-B818-BC374900726F}" type="datetimeFigureOut">
               <a:rPr lang="ko-KR" altLang="en-US" smtClean="0"/>
-              <a:t>2023-04-05</a:t>
+              <a:t>2023-04-06</a:t>
             </a:fld>
             <a:endParaRPr lang="ko-KR" altLang="en-US"/>
           </a:p>
@@ -923,7 +923,7 @@
           <a:p>
             <a:fld id="{D019170F-C7B6-4288-B818-BC374900726F}" type="datetimeFigureOut">
               <a:rPr lang="ko-KR" altLang="en-US" smtClean="0"/>
-              <a:t>2023-04-05</a:t>
+              <a:t>2023-04-06</a:t>
             </a:fld>
             <a:endParaRPr lang="ko-KR" altLang="en-US"/>
           </a:p>
@@ -1198,7 +1198,7 @@
           <a:p>
             <a:fld id="{D019170F-C7B6-4288-B818-BC374900726F}" type="datetimeFigureOut">
               <a:rPr lang="ko-KR" altLang="en-US" smtClean="0"/>
-              <a:t>2023-04-05</a:t>
+              <a:t>2023-04-06</a:t>
             </a:fld>
             <a:endParaRPr lang="ko-KR" altLang="en-US"/>
           </a:p>
@@ -1463,7 +1463,7 @@
           <a:p>
             <a:fld id="{D019170F-C7B6-4288-B818-BC374900726F}" type="datetimeFigureOut">
               <a:rPr lang="ko-KR" altLang="en-US" smtClean="0"/>
-              <a:t>2023-04-05</a:t>
+              <a:t>2023-04-06</a:t>
             </a:fld>
             <a:endParaRPr lang="ko-KR" altLang="en-US"/>
           </a:p>
@@ -1875,7 +1875,7 @@
           <a:p>
             <a:fld id="{D019170F-C7B6-4288-B818-BC374900726F}" type="datetimeFigureOut">
               <a:rPr lang="ko-KR" altLang="en-US" smtClean="0"/>
-              <a:t>2023-04-05</a:t>
+              <a:t>2023-04-06</a:t>
             </a:fld>
             <a:endParaRPr lang="ko-KR" altLang="en-US"/>
           </a:p>
@@ -2016,7 +2016,7 @@
           <a:p>
             <a:fld id="{D019170F-C7B6-4288-B818-BC374900726F}" type="datetimeFigureOut">
               <a:rPr lang="ko-KR" altLang="en-US" smtClean="0"/>
-              <a:t>2023-04-05</a:t>
+              <a:t>2023-04-06</a:t>
             </a:fld>
             <a:endParaRPr lang="ko-KR" altLang="en-US"/>
           </a:p>
@@ -2129,7 +2129,7 @@
           <a:p>
             <a:fld id="{D019170F-C7B6-4288-B818-BC374900726F}" type="datetimeFigureOut">
               <a:rPr lang="ko-KR" altLang="en-US" smtClean="0"/>
-              <a:t>2023-04-05</a:t>
+              <a:t>2023-04-06</a:t>
             </a:fld>
             <a:endParaRPr lang="ko-KR" altLang="en-US"/>
           </a:p>
@@ -2440,7 +2440,7 @@
           <a:p>
             <a:fld id="{D019170F-C7B6-4288-B818-BC374900726F}" type="datetimeFigureOut">
               <a:rPr lang="ko-KR" altLang="en-US" smtClean="0"/>
-              <a:t>2023-04-05</a:t>
+              <a:t>2023-04-06</a:t>
             </a:fld>
             <a:endParaRPr lang="ko-KR" altLang="en-US"/>
           </a:p>
@@ -2728,7 +2728,7 @@
           <a:p>
             <a:fld id="{D019170F-C7B6-4288-B818-BC374900726F}" type="datetimeFigureOut">
               <a:rPr lang="ko-KR" altLang="en-US" smtClean="0"/>
-              <a:t>2023-04-05</a:t>
+              <a:t>2023-04-06</a:t>
             </a:fld>
             <a:endParaRPr lang="ko-KR" altLang="en-US"/>
           </a:p>
@@ -2969,7 +2969,7 @@
           <a:p>
             <a:fld id="{D019170F-C7B6-4288-B818-BC374900726F}" type="datetimeFigureOut">
               <a:rPr lang="ko-KR" altLang="en-US" smtClean="0"/>
-              <a:t>2023-04-05</a:t>
+              <a:t>2023-04-06</a:t>
             </a:fld>
             <a:endParaRPr lang="ko-KR" altLang="en-US"/>
           </a:p>
@@ -5060,10 +5060,10 @@
       </p:grpSpPr>
       <p:pic>
         <p:nvPicPr>
-          <p:cNvPr id="11" name="그림 10">
-            <a:extLst>
-              <a:ext uri="{FF2B5EF4-FFF2-40B4-BE49-F238E27FC236}">
-                <a16:creationId xmlns:a16="http://schemas.microsoft.com/office/drawing/2014/main" id="{C23C40D8-ADFE-1114-195C-7DB529C19C62}"/>
+          <p:cNvPr id="3" name="그림 2">
+            <a:extLst>
+              <a:ext uri="{FF2B5EF4-FFF2-40B4-BE49-F238E27FC236}">
+                <a16:creationId xmlns:a16="http://schemas.microsoft.com/office/drawing/2014/main" id="{0AF43C63-F778-DECC-825E-F3B1FD0E85CD}"/>
               </a:ext>
             </a:extLst>
           </p:cNvPr>
@@ -5080,8 +5080,8 @@
         </p:blipFill>
         <p:spPr>
           <a:xfrm>
-            <a:off x="3028950" y="138112"/>
-            <a:ext cx="6134100" cy="6581775"/>
+            <a:off x="2490787" y="219075"/>
+            <a:ext cx="7210425" cy="6419850"/>
           </a:xfrm>
           <a:prstGeom prst="rect">
             <a:avLst/>
